--- a/docs/The_Fastest_API_in_the_Pythonic_World.pptx
+++ b/docs/The_Fastest_API_in_the_Pythonic_World.pptx
@@ -9397,7 +9397,7 @@
               <a:buChar char="o"/>
             </a:pPr>
             <a:r>
-              <a:rPr lang="en-US">
+              <a:rPr lang="en-US" dirty="0">
                 <a:hlinkClick r:id="rId3"/>
               </a:rPr>
               <a:t>WebSockets</a:t>
@@ -9476,6 +9476,19 @@
                 <a:hlinkClick r:id="rId8"/>
               </a:rPr>
               <a:t>Demo code</a:t>
+            </a:r>
+            <a:endParaRPr lang="en-US" dirty="0"/>
+          </a:p>
+          <a:p>
+            <a:pPr algn="just">
+              <a:buFont typeface="Courier New" panose="02070309020205020404" pitchFamily="49" charset="0"/>
+              <a:buChar char="o"/>
+            </a:pPr>
+            <a:r>
+              <a:rPr lang="en-US" dirty="0">
+                <a:hlinkClick r:id="rId9"/>
+              </a:rPr>
+              <a:t>Data</a:t>
             </a:r>
             <a:endParaRPr lang="en-US" dirty="0"/>
           </a:p>
@@ -12657,21 +12670,21 @@
 </file>
 
 <file path=customXml/item2.xml><?xml version="1.0" encoding="utf-8"?>
+<p:properties xmlns:p="http://schemas.microsoft.com/office/2006/metadata/properties" xmlns:xsi="http://www.w3.org/2001/XMLSchema-instance" xmlns:pc="http://schemas.microsoft.com/office/infopath/2007/PartnerControls">
+  <documentManagement>
+    <Status xmlns="71af3243-3dd4-4a8d-8c0d-dd76da1f02a5">Not started</Status>
+    <MediaServiceKeyPoints xmlns="71af3243-3dd4-4a8d-8c0d-dd76da1f02a5" xsi:nil="true"/>
+  </documentManagement>
+</p:properties>
+</file>
+
+<file path=customXml/item3.xml><?xml version="1.0" encoding="utf-8"?>
 <?mso-contentType ?>
 <FormTemplates xmlns="http://schemas.microsoft.com/sharepoint/v3/contenttype/forms">
   <Display>DocumentLibraryForm</Display>
   <Edit>DocumentLibraryForm</Edit>
   <New>DocumentLibraryForm</New>
 </FormTemplates>
-</file>
-
-<file path=customXml/item3.xml><?xml version="1.0" encoding="utf-8"?>
-<p:properties xmlns:p="http://schemas.microsoft.com/office/2006/metadata/properties" xmlns:xsi="http://www.w3.org/2001/XMLSchema-instance" xmlns:pc="http://schemas.microsoft.com/office/infopath/2007/PartnerControls">
-  <documentManagement>
-    <Status xmlns="71af3243-3dd4-4a8d-8c0d-dd76da1f02a5">Not started</Status>
-    <MediaServiceKeyPoints xmlns="71af3243-3dd4-4a8d-8c0d-dd76da1f02a5" xsi:nil="true"/>
-  </documentManagement>
-</p:properties>
 </file>
 
 <file path=customXml/itemProps1.xml><?xml version="1.0" encoding="utf-8"?>
@@ -12694,14 +12707,6 @@
 </file>
 
 <file path=customXml/itemProps2.xml><?xml version="1.0" encoding="utf-8"?>
-<ds:datastoreItem xmlns:ds="http://schemas.openxmlformats.org/officeDocument/2006/customXml" ds:itemID="{6A7FA506-1E93-4CA4-B270-1F08FD18C366}">
-  <ds:schemaRefs>
-    <ds:schemaRef ds:uri="http://schemas.microsoft.com/sharepoint/v3/contenttype/forms"/>
-  </ds:schemaRefs>
-</ds:datastoreItem>
-</file>
-
-<file path=customXml/itemProps3.xml><?xml version="1.0" encoding="utf-8"?>
 <ds:datastoreItem xmlns:ds="http://schemas.openxmlformats.org/officeDocument/2006/customXml" ds:itemID="{38F4328E-77DF-41E8-952F-124AE19F1F7C}">
   <ds:schemaRefs>
     <ds:schemaRef ds:uri="http://schemas.microsoft.com/office/2006/metadata/properties"/>
@@ -12709,4 +12714,12 @@
     <ds:schemaRef ds:uri="71af3243-3dd4-4a8d-8c0d-dd76da1f02a5"/>
   </ds:schemaRefs>
 </ds:datastoreItem>
+</file>
+
+<file path=customXml/itemProps3.xml><?xml version="1.0" encoding="utf-8"?>
+<ds:datastoreItem xmlns:ds="http://schemas.openxmlformats.org/officeDocument/2006/customXml" ds:itemID="{6A7FA506-1E93-4CA4-B270-1F08FD18C366}">
+  <ds:schemaRefs>
+    <ds:schemaRef ds:uri="http://schemas.microsoft.com/sharepoint/v3/contenttype/forms"/>
+  </ds:schemaRefs>
+</ds:datastoreItem>
 </file>